--- a/ppt 16-9/0209.基督真光照大地.pptx
+++ b/ppt 16-9/0209.基督真光照大地.pptx
@@ -129,7 +129,7 @@
           <p:cNvPr id="2" name="标题 1">
             <a:extLst>
               <a:ext uri="{FF2B5EF4-FFF2-40B4-BE49-F238E27FC236}">
-                <a16:creationId xmlns:a16="http://schemas.microsoft.com/office/drawing/2014/main" id="{C38F40B7-0DF4-D277-E8C3-955EA098CEA0}"/>
+                <a16:creationId xmlns:a16="http://schemas.microsoft.com/office/drawing/2014/main" id="{B2F9B5FF-9C5C-7ABF-21E1-8F5C7EBD2E6B}"/>
               </a:ext>
             </a:extLst>
           </p:cNvPr>
@@ -166,7 +166,7 @@
           <p:cNvPr id="3" name="副标题 2">
             <a:extLst>
               <a:ext uri="{FF2B5EF4-FFF2-40B4-BE49-F238E27FC236}">
-                <a16:creationId xmlns:a16="http://schemas.microsoft.com/office/drawing/2014/main" id="{227384A6-D716-EC32-4EDD-2D849321C434}"/>
+                <a16:creationId xmlns:a16="http://schemas.microsoft.com/office/drawing/2014/main" id="{4EED879D-22B0-79EC-B9EE-592DE34887DE}"/>
               </a:ext>
             </a:extLst>
           </p:cNvPr>
@@ -236,7 +236,7 @@
           <p:cNvPr id="4" name="日期占位符 3">
             <a:extLst>
               <a:ext uri="{FF2B5EF4-FFF2-40B4-BE49-F238E27FC236}">
-                <a16:creationId xmlns:a16="http://schemas.microsoft.com/office/drawing/2014/main" id="{49F6D645-B0AF-A590-FE84-DF6496F52FD2}"/>
+                <a16:creationId xmlns:a16="http://schemas.microsoft.com/office/drawing/2014/main" id="{E1F38527-A388-4EDB-5FE1-F9ACD3961561}"/>
               </a:ext>
             </a:extLst>
           </p:cNvPr>
@@ -252,7 +252,7 @@
           <a:bodyPr/>
           <a:lstStyle/>
           <a:p>
-            <a:fld id="{D87D27B4-846D-40CC-944D-F69DDEF9C493}" type="datetimeFigureOut">
+            <a:fld id="{55366E3A-592A-4101-A41D-D0301007B3EA}" type="datetimeFigureOut">
               <a:rPr lang="zh-CN" altLang="en-US" smtClean="0"/>
               <a:t>2024/3/10</a:t>
             </a:fld>
@@ -265,7 +265,7 @@
           <p:cNvPr id="5" name="页脚占位符 4">
             <a:extLst>
               <a:ext uri="{FF2B5EF4-FFF2-40B4-BE49-F238E27FC236}">
-                <a16:creationId xmlns:a16="http://schemas.microsoft.com/office/drawing/2014/main" id="{2919EF68-A745-5020-C4A3-0D8F855AFFEB}"/>
+                <a16:creationId xmlns:a16="http://schemas.microsoft.com/office/drawing/2014/main" id="{F7E71FEE-03E0-A34E-49B5-800887F664E9}"/>
               </a:ext>
             </a:extLst>
           </p:cNvPr>
@@ -290,7 +290,7 @@
           <p:cNvPr id="6" name="灯片编号占位符 5">
             <a:extLst>
               <a:ext uri="{FF2B5EF4-FFF2-40B4-BE49-F238E27FC236}">
-                <a16:creationId xmlns:a16="http://schemas.microsoft.com/office/drawing/2014/main" id="{42DB5429-87D4-6DF8-7708-CDFDC04B1C88}"/>
+                <a16:creationId xmlns:a16="http://schemas.microsoft.com/office/drawing/2014/main" id="{0DB2854F-0F57-19A7-6BD5-E921AC64D8B3}"/>
               </a:ext>
             </a:extLst>
           </p:cNvPr>
@@ -306,7 +306,7 @@
           <a:bodyPr/>
           <a:lstStyle/>
           <a:p>
-            <a:fld id="{3D324B3D-C36E-4FFE-8D45-7FF72F2971B5}" type="slidenum">
+            <a:fld id="{38F38988-783F-45CC-B481-23B3568BA345}" type="slidenum">
               <a:rPr lang="zh-CN" altLang="en-US" smtClean="0"/>
               <a:t>‹#›</a:t>
             </a:fld>
@@ -317,7 +317,7 @@
     </p:spTree>
     <p:extLst>
       <p:ext uri="{BB962C8B-B14F-4D97-AF65-F5344CB8AC3E}">
-        <p14:creationId xmlns:p14="http://schemas.microsoft.com/office/powerpoint/2010/main" val="2976156295"/>
+        <p14:creationId xmlns:p14="http://schemas.microsoft.com/office/powerpoint/2010/main" val="159473920"/>
       </p:ext>
     </p:extLst>
   </p:cSld>
@@ -349,7 +349,7 @@
           <p:cNvPr id="2" name="标题 1">
             <a:extLst>
               <a:ext uri="{FF2B5EF4-FFF2-40B4-BE49-F238E27FC236}">
-                <a16:creationId xmlns:a16="http://schemas.microsoft.com/office/drawing/2014/main" id="{96327C3B-57BA-D75F-A983-85B92EC70C47}"/>
+                <a16:creationId xmlns:a16="http://schemas.microsoft.com/office/drawing/2014/main" id="{AC312DB1-6A82-40A7-8BF6-CED6C46247A4}"/>
               </a:ext>
             </a:extLst>
           </p:cNvPr>
@@ -377,7 +377,7 @@
           <p:cNvPr id="3" name="竖排文字占位符 2">
             <a:extLst>
               <a:ext uri="{FF2B5EF4-FFF2-40B4-BE49-F238E27FC236}">
-                <a16:creationId xmlns:a16="http://schemas.microsoft.com/office/drawing/2014/main" id="{75C74FE2-52D5-8040-2448-97DAB3FB716C}"/>
+                <a16:creationId xmlns:a16="http://schemas.microsoft.com/office/drawing/2014/main" id="{A599C1C1-1D74-642C-E041-317DFC8659B7}"/>
               </a:ext>
             </a:extLst>
           </p:cNvPr>
@@ -434,7 +434,7 @@
           <p:cNvPr id="4" name="日期占位符 3">
             <a:extLst>
               <a:ext uri="{FF2B5EF4-FFF2-40B4-BE49-F238E27FC236}">
-                <a16:creationId xmlns:a16="http://schemas.microsoft.com/office/drawing/2014/main" id="{0EFA2D08-EFDB-D1F3-25F8-14388B118E4D}"/>
+                <a16:creationId xmlns:a16="http://schemas.microsoft.com/office/drawing/2014/main" id="{D05D10AD-FDF7-059C-7176-570E7ED6D4D7}"/>
               </a:ext>
             </a:extLst>
           </p:cNvPr>
@@ -450,7 +450,7 @@
           <a:bodyPr/>
           <a:lstStyle/>
           <a:p>
-            <a:fld id="{D87D27B4-846D-40CC-944D-F69DDEF9C493}" type="datetimeFigureOut">
+            <a:fld id="{55366E3A-592A-4101-A41D-D0301007B3EA}" type="datetimeFigureOut">
               <a:rPr lang="zh-CN" altLang="en-US" smtClean="0"/>
               <a:t>2024/3/10</a:t>
             </a:fld>
@@ -463,7 +463,7 @@
           <p:cNvPr id="5" name="页脚占位符 4">
             <a:extLst>
               <a:ext uri="{FF2B5EF4-FFF2-40B4-BE49-F238E27FC236}">
-                <a16:creationId xmlns:a16="http://schemas.microsoft.com/office/drawing/2014/main" id="{578BE33B-CB8B-970A-A30C-18E65AD34BF0}"/>
+                <a16:creationId xmlns:a16="http://schemas.microsoft.com/office/drawing/2014/main" id="{97DC147D-9644-4A17-1FA9-5DE31CF95B40}"/>
               </a:ext>
             </a:extLst>
           </p:cNvPr>
@@ -488,7 +488,7 @@
           <p:cNvPr id="6" name="灯片编号占位符 5">
             <a:extLst>
               <a:ext uri="{FF2B5EF4-FFF2-40B4-BE49-F238E27FC236}">
-                <a16:creationId xmlns:a16="http://schemas.microsoft.com/office/drawing/2014/main" id="{6D035AEA-059E-AC0B-CB16-A2914B425E93}"/>
+                <a16:creationId xmlns:a16="http://schemas.microsoft.com/office/drawing/2014/main" id="{BF3A7277-2753-05E7-A1C9-3BD80DEA86C3}"/>
               </a:ext>
             </a:extLst>
           </p:cNvPr>
@@ -504,7 +504,7 @@
           <a:bodyPr/>
           <a:lstStyle/>
           <a:p>
-            <a:fld id="{3D324B3D-C36E-4FFE-8D45-7FF72F2971B5}" type="slidenum">
+            <a:fld id="{38F38988-783F-45CC-B481-23B3568BA345}" type="slidenum">
               <a:rPr lang="zh-CN" altLang="en-US" smtClean="0"/>
               <a:t>‹#›</a:t>
             </a:fld>
@@ -515,7 +515,7 @@
     </p:spTree>
     <p:extLst>
       <p:ext uri="{BB962C8B-B14F-4D97-AF65-F5344CB8AC3E}">
-        <p14:creationId xmlns:p14="http://schemas.microsoft.com/office/powerpoint/2010/main" val="3856311344"/>
+        <p14:creationId xmlns:p14="http://schemas.microsoft.com/office/powerpoint/2010/main" val="1759686785"/>
       </p:ext>
     </p:extLst>
   </p:cSld>
@@ -547,7 +547,7 @@
           <p:cNvPr id="2" name="竖排标题 1">
             <a:extLst>
               <a:ext uri="{FF2B5EF4-FFF2-40B4-BE49-F238E27FC236}">
-                <a16:creationId xmlns:a16="http://schemas.microsoft.com/office/drawing/2014/main" id="{24872327-31F8-6DAD-E639-7D8ECD6BED3D}"/>
+                <a16:creationId xmlns:a16="http://schemas.microsoft.com/office/drawing/2014/main" id="{99AAC403-CB9F-A7CD-414C-9A4FCC79B449}"/>
               </a:ext>
             </a:extLst>
           </p:cNvPr>
@@ -580,7 +580,7 @@
           <p:cNvPr id="3" name="竖排文字占位符 2">
             <a:extLst>
               <a:ext uri="{FF2B5EF4-FFF2-40B4-BE49-F238E27FC236}">
-                <a16:creationId xmlns:a16="http://schemas.microsoft.com/office/drawing/2014/main" id="{CFBC64C9-9056-05D1-1498-872EEE1E1D94}"/>
+                <a16:creationId xmlns:a16="http://schemas.microsoft.com/office/drawing/2014/main" id="{148BDE70-19BB-537C-9073-595A22287963}"/>
               </a:ext>
             </a:extLst>
           </p:cNvPr>
@@ -642,7 +642,7 @@
           <p:cNvPr id="4" name="日期占位符 3">
             <a:extLst>
               <a:ext uri="{FF2B5EF4-FFF2-40B4-BE49-F238E27FC236}">
-                <a16:creationId xmlns:a16="http://schemas.microsoft.com/office/drawing/2014/main" id="{B9035E3C-BADC-B085-72A9-03276702DFC9}"/>
+                <a16:creationId xmlns:a16="http://schemas.microsoft.com/office/drawing/2014/main" id="{E2524CD3-60E1-01A0-FC0F-6A5A20FE89A2}"/>
               </a:ext>
             </a:extLst>
           </p:cNvPr>
@@ -658,7 +658,7 @@
           <a:bodyPr/>
           <a:lstStyle/>
           <a:p>
-            <a:fld id="{D87D27B4-846D-40CC-944D-F69DDEF9C493}" type="datetimeFigureOut">
+            <a:fld id="{55366E3A-592A-4101-A41D-D0301007B3EA}" type="datetimeFigureOut">
               <a:rPr lang="zh-CN" altLang="en-US" smtClean="0"/>
               <a:t>2024/3/10</a:t>
             </a:fld>
@@ -671,7 +671,7 @@
           <p:cNvPr id="5" name="页脚占位符 4">
             <a:extLst>
               <a:ext uri="{FF2B5EF4-FFF2-40B4-BE49-F238E27FC236}">
-                <a16:creationId xmlns:a16="http://schemas.microsoft.com/office/drawing/2014/main" id="{DAAFF2A5-709F-58DC-1A9D-CD16FF15D1D1}"/>
+                <a16:creationId xmlns:a16="http://schemas.microsoft.com/office/drawing/2014/main" id="{C2FA90FB-7A3E-98A2-7E54-BC0A729FBA6F}"/>
               </a:ext>
             </a:extLst>
           </p:cNvPr>
@@ -696,7 +696,7 @@
           <p:cNvPr id="6" name="灯片编号占位符 5">
             <a:extLst>
               <a:ext uri="{FF2B5EF4-FFF2-40B4-BE49-F238E27FC236}">
-                <a16:creationId xmlns:a16="http://schemas.microsoft.com/office/drawing/2014/main" id="{237E9439-A46D-9016-8D2D-53FAF05C96E6}"/>
+                <a16:creationId xmlns:a16="http://schemas.microsoft.com/office/drawing/2014/main" id="{0DBB8B33-7B94-FE7B-EB57-BE155E4E1D86}"/>
               </a:ext>
             </a:extLst>
           </p:cNvPr>
@@ -712,7 +712,7 @@
           <a:bodyPr/>
           <a:lstStyle/>
           <a:p>
-            <a:fld id="{3D324B3D-C36E-4FFE-8D45-7FF72F2971B5}" type="slidenum">
+            <a:fld id="{38F38988-783F-45CC-B481-23B3568BA345}" type="slidenum">
               <a:rPr lang="zh-CN" altLang="en-US" smtClean="0"/>
               <a:t>‹#›</a:t>
             </a:fld>
@@ -723,7 +723,7 @@
     </p:spTree>
     <p:extLst>
       <p:ext uri="{BB962C8B-B14F-4D97-AF65-F5344CB8AC3E}">
-        <p14:creationId xmlns:p14="http://schemas.microsoft.com/office/powerpoint/2010/main" val="839622390"/>
+        <p14:creationId xmlns:p14="http://schemas.microsoft.com/office/powerpoint/2010/main" val="844382086"/>
       </p:ext>
     </p:extLst>
   </p:cSld>
@@ -755,7 +755,7 @@
           <p:cNvPr id="2" name="标题 1">
             <a:extLst>
               <a:ext uri="{FF2B5EF4-FFF2-40B4-BE49-F238E27FC236}">
-                <a16:creationId xmlns:a16="http://schemas.microsoft.com/office/drawing/2014/main" id="{14BA9EF6-BD61-4D9C-2D7E-87404BC63FBC}"/>
+                <a16:creationId xmlns:a16="http://schemas.microsoft.com/office/drawing/2014/main" id="{0691169E-1C35-0B6B-C8A5-849886DCAA5F}"/>
               </a:ext>
             </a:extLst>
           </p:cNvPr>
@@ -783,7 +783,7 @@
           <p:cNvPr id="3" name="内容占位符 2">
             <a:extLst>
               <a:ext uri="{FF2B5EF4-FFF2-40B4-BE49-F238E27FC236}">
-                <a16:creationId xmlns:a16="http://schemas.microsoft.com/office/drawing/2014/main" id="{8803E22F-1920-D76B-9D50-FBFC83C0D964}"/>
+                <a16:creationId xmlns:a16="http://schemas.microsoft.com/office/drawing/2014/main" id="{D3E6E8BE-ADE3-597A-BD5F-61D6BE2A21DD}"/>
               </a:ext>
             </a:extLst>
           </p:cNvPr>
@@ -840,7 +840,7 @@
           <p:cNvPr id="4" name="日期占位符 3">
             <a:extLst>
               <a:ext uri="{FF2B5EF4-FFF2-40B4-BE49-F238E27FC236}">
-                <a16:creationId xmlns:a16="http://schemas.microsoft.com/office/drawing/2014/main" id="{879944C7-26A6-1776-0A78-FF9646246058}"/>
+                <a16:creationId xmlns:a16="http://schemas.microsoft.com/office/drawing/2014/main" id="{8D09DF0D-E209-441C-CAE9-A26018F02F65}"/>
               </a:ext>
             </a:extLst>
           </p:cNvPr>
@@ -856,7 +856,7 @@
           <a:bodyPr/>
           <a:lstStyle/>
           <a:p>
-            <a:fld id="{D87D27B4-846D-40CC-944D-F69DDEF9C493}" type="datetimeFigureOut">
+            <a:fld id="{55366E3A-592A-4101-A41D-D0301007B3EA}" type="datetimeFigureOut">
               <a:rPr lang="zh-CN" altLang="en-US" smtClean="0"/>
               <a:t>2024/3/10</a:t>
             </a:fld>
@@ -869,7 +869,7 @@
           <p:cNvPr id="5" name="页脚占位符 4">
             <a:extLst>
               <a:ext uri="{FF2B5EF4-FFF2-40B4-BE49-F238E27FC236}">
-                <a16:creationId xmlns:a16="http://schemas.microsoft.com/office/drawing/2014/main" id="{1E59348B-D7ED-E861-50A0-9411C037DCAD}"/>
+                <a16:creationId xmlns:a16="http://schemas.microsoft.com/office/drawing/2014/main" id="{BD578DBD-5EBC-6426-19B7-CCE0CAC78A62}"/>
               </a:ext>
             </a:extLst>
           </p:cNvPr>
@@ -894,7 +894,7 @@
           <p:cNvPr id="6" name="灯片编号占位符 5">
             <a:extLst>
               <a:ext uri="{FF2B5EF4-FFF2-40B4-BE49-F238E27FC236}">
-                <a16:creationId xmlns:a16="http://schemas.microsoft.com/office/drawing/2014/main" id="{ABD1252E-48FA-7058-5888-6D0CD56C1365}"/>
+                <a16:creationId xmlns:a16="http://schemas.microsoft.com/office/drawing/2014/main" id="{A3E20654-799C-5676-5004-B8B0D75C0033}"/>
               </a:ext>
             </a:extLst>
           </p:cNvPr>
@@ -910,7 +910,7 @@
           <a:bodyPr/>
           <a:lstStyle/>
           <a:p>
-            <a:fld id="{3D324B3D-C36E-4FFE-8D45-7FF72F2971B5}" type="slidenum">
+            <a:fld id="{38F38988-783F-45CC-B481-23B3568BA345}" type="slidenum">
               <a:rPr lang="zh-CN" altLang="en-US" smtClean="0"/>
               <a:t>‹#›</a:t>
             </a:fld>
@@ -921,7 +921,7 @@
     </p:spTree>
     <p:extLst>
       <p:ext uri="{BB962C8B-B14F-4D97-AF65-F5344CB8AC3E}">
-        <p14:creationId xmlns:p14="http://schemas.microsoft.com/office/powerpoint/2010/main" val="1908119969"/>
+        <p14:creationId xmlns:p14="http://schemas.microsoft.com/office/powerpoint/2010/main" val="2320256166"/>
       </p:ext>
     </p:extLst>
   </p:cSld>
@@ -953,7 +953,7 @@
           <p:cNvPr id="2" name="标题 1">
             <a:extLst>
               <a:ext uri="{FF2B5EF4-FFF2-40B4-BE49-F238E27FC236}">
-                <a16:creationId xmlns:a16="http://schemas.microsoft.com/office/drawing/2014/main" id="{B9268A94-AA16-993F-2A36-E1BA859CBBEE}"/>
+                <a16:creationId xmlns:a16="http://schemas.microsoft.com/office/drawing/2014/main" id="{CF0F7AF1-8DE9-7131-9285-3F3112F0047C}"/>
               </a:ext>
             </a:extLst>
           </p:cNvPr>
@@ -990,7 +990,7 @@
           <p:cNvPr id="3" name="文本占位符 2">
             <a:extLst>
               <a:ext uri="{FF2B5EF4-FFF2-40B4-BE49-F238E27FC236}">
-                <a16:creationId xmlns:a16="http://schemas.microsoft.com/office/drawing/2014/main" id="{BB83CC08-EA99-6BC4-AA5C-6F233BD0882A}"/>
+                <a16:creationId xmlns:a16="http://schemas.microsoft.com/office/drawing/2014/main" id="{5628DB7B-D6EF-DD7E-2CD1-1C6570159505}"/>
               </a:ext>
             </a:extLst>
           </p:cNvPr>
@@ -1115,7 +1115,7 @@
           <p:cNvPr id="4" name="日期占位符 3">
             <a:extLst>
               <a:ext uri="{FF2B5EF4-FFF2-40B4-BE49-F238E27FC236}">
-                <a16:creationId xmlns:a16="http://schemas.microsoft.com/office/drawing/2014/main" id="{A848F1DE-1DE3-DE01-3701-A2951D10713F}"/>
+                <a16:creationId xmlns:a16="http://schemas.microsoft.com/office/drawing/2014/main" id="{E85F6461-9F36-359A-1612-4AC0FC71D69E}"/>
               </a:ext>
             </a:extLst>
           </p:cNvPr>
@@ -1131,7 +1131,7 @@
           <a:bodyPr/>
           <a:lstStyle/>
           <a:p>
-            <a:fld id="{D87D27B4-846D-40CC-944D-F69DDEF9C493}" type="datetimeFigureOut">
+            <a:fld id="{55366E3A-592A-4101-A41D-D0301007B3EA}" type="datetimeFigureOut">
               <a:rPr lang="zh-CN" altLang="en-US" smtClean="0"/>
               <a:t>2024/3/10</a:t>
             </a:fld>
@@ -1144,7 +1144,7 @@
           <p:cNvPr id="5" name="页脚占位符 4">
             <a:extLst>
               <a:ext uri="{FF2B5EF4-FFF2-40B4-BE49-F238E27FC236}">
-                <a16:creationId xmlns:a16="http://schemas.microsoft.com/office/drawing/2014/main" id="{FE0C6081-4D7C-3384-4415-17E406710B09}"/>
+                <a16:creationId xmlns:a16="http://schemas.microsoft.com/office/drawing/2014/main" id="{47243522-9321-6504-9AB7-57B46B203859}"/>
               </a:ext>
             </a:extLst>
           </p:cNvPr>
@@ -1169,7 +1169,7 @@
           <p:cNvPr id="6" name="灯片编号占位符 5">
             <a:extLst>
               <a:ext uri="{FF2B5EF4-FFF2-40B4-BE49-F238E27FC236}">
-                <a16:creationId xmlns:a16="http://schemas.microsoft.com/office/drawing/2014/main" id="{C8570F12-F1FA-959D-7BAC-ECD4E1B99BD8}"/>
+                <a16:creationId xmlns:a16="http://schemas.microsoft.com/office/drawing/2014/main" id="{F6F8454D-0AF1-5ACE-3737-44A0D7E75F78}"/>
               </a:ext>
             </a:extLst>
           </p:cNvPr>
@@ -1185,7 +1185,7 @@
           <a:bodyPr/>
           <a:lstStyle/>
           <a:p>
-            <a:fld id="{3D324B3D-C36E-4FFE-8D45-7FF72F2971B5}" type="slidenum">
+            <a:fld id="{38F38988-783F-45CC-B481-23B3568BA345}" type="slidenum">
               <a:rPr lang="zh-CN" altLang="en-US" smtClean="0"/>
               <a:t>‹#›</a:t>
             </a:fld>
@@ -1196,7 +1196,7 @@
     </p:spTree>
     <p:extLst>
       <p:ext uri="{BB962C8B-B14F-4D97-AF65-F5344CB8AC3E}">
-        <p14:creationId xmlns:p14="http://schemas.microsoft.com/office/powerpoint/2010/main" val="2083318236"/>
+        <p14:creationId xmlns:p14="http://schemas.microsoft.com/office/powerpoint/2010/main" val="3771825457"/>
       </p:ext>
     </p:extLst>
   </p:cSld>
@@ -1228,7 +1228,7 @@
           <p:cNvPr id="2" name="标题 1">
             <a:extLst>
               <a:ext uri="{FF2B5EF4-FFF2-40B4-BE49-F238E27FC236}">
-                <a16:creationId xmlns:a16="http://schemas.microsoft.com/office/drawing/2014/main" id="{BF3CBD5D-BB8C-CE71-BA35-54C7C2AB709F}"/>
+                <a16:creationId xmlns:a16="http://schemas.microsoft.com/office/drawing/2014/main" id="{E80D4C60-603D-53FB-6AF7-E681B362D569}"/>
               </a:ext>
             </a:extLst>
           </p:cNvPr>
@@ -1256,7 +1256,7 @@
           <p:cNvPr id="3" name="内容占位符 2">
             <a:extLst>
               <a:ext uri="{FF2B5EF4-FFF2-40B4-BE49-F238E27FC236}">
-                <a16:creationId xmlns:a16="http://schemas.microsoft.com/office/drawing/2014/main" id="{5B2A2A0C-A969-DB6D-4F1D-64C63B05CA64}"/>
+                <a16:creationId xmlns:a16="http://schemas.microsoft.com/office/drawing/2014/main" id="{4F9A2562-380D-6A5F-B673-BF96303B492A}"/>
               </a:ext>
             </a:extLst>
           </p:cNvPr>
@@ -1318,7 +1318,7 @@
           <p:cNvPr id="4" name="内容占位符 3">
             <a:extLst>
               <a:ext uri="{FF2B5EF4-FFF2-40B4-BE49-F238E27FC236}">
-                <a16:creationId xmlns:a16="http://schemas.microsoft.com/office/drawing/2014/main" id="{007825DC-B3FB-1CB4-AC51-62494097AE82}"/>
+                <a16:creationId xmlns:a16="http://schemas.microsoft.com/office/drawing/2014/main" id="{BD74A725-F2D3-21AB-4AE0-6545F5D1CA96}"/>
               </a:ext>
             </a:extLst>
           </p:cNvPr>
@@ -1380,7 +1380,7 @@
           <p:cNvPr id="5" name="日期占位符 4">
             <a:extLst>
               <a:ext uri="{FF2B5EF4-FFF2-40B4-BE49-F238E27FC236}">
-                <a16:creationId xmlns:a16="http://schemas.microsoft.com/office/drawing/2014/main" id="{5DB4ED0B-23AE-E4B4-63A1-FD2166E2A049}"/>
+                <a16:creationId xmlns:a16="http://schemas.microsoft.com/office/drawing/2014/main" id="{B95DCA6D-A1A2-A0A5-11CF-21CE6C1C02FD}"/>
               </a:ext>
             </a:extLst>
           </p:cNvPr>
@@ -1396,7 +1396,7 @@
           <a:bodyPr/>
           <a:lstStyle/>
           <a:p>
-            <a:fld id="{D87D27B4-846D-40CC-944D-F69DDEF9C493}" type="datetimeFigureOut">
+            <a:fld id="{55366E3A-592A-4101-A41D-D0301007B3EA}" type="datetimeFigureOut">
               <a:rPr lang="zh-CN" altLang="en-US" smtClean="0"/>
               <a:t>2024/3/10</a:t>
             </a:fld>
@@ -1409,7 +1409,7 @@
           <p:cNvPr id="6" name="页脚占位符 5">
             <a:extLst>
               <a:ext uri="{FF2B5EF4-FFF2-40B4-BE49-F238E27FC236}">
-                <a16:creationId xmlns:a16="http://schemas.microsoft.com/office/drawing/2014/main" id="{4DEF82EE-E0BB-0192-49F2-FEF42214E7A6}"/>
+                <a16:creationId xmlns:a16="http://schemas.microsoft.com/office/drawing/2014/main" id="{5C061374-BC26-E275-84F8-DC5767804F98}"/>
               </a:ext>
             </a:extLst>
           </p:cNvPr>
@@ -1434,7 +1434,7 @@
           <p:cNvPr id="7" name="灯片编号占位符 6">
             <a:extLst>
               <a:ext uri="{FF2B5EF4-FFF2-40B4-BE49-F238E27FC236}">
-                <a16:creationId xmlns:a16="http://schemas.microsoft.com/office/drawing/2014/main" id="{BD86E30C-844B-53E6-C6E3-EF492382B828}"/>
+                <a16:creationId xmlns:a16="http://schemas.microsoft.com/office/drawing/2014/main" id="{E84B36B1-8C0B-CFA7-A99F-052D38FF0BC2}"/>
               </a:ext>
             </a:extLst>
           </p:cNvPr>
@@ -1450,7 +1450,7 @@
           <a:bodyPr/>
           <a:lstStyle/>
           <a:p>
-            <a:fld id="{3D324B3D-C36E-4FFE-8D45-7FF72F2971B5}" type="slidenum">
+            <a:fld id="{38F38988-783F-45CC-B481-23B3568BA345}" type="slidenum">
               <a:rPr lang="zh-CN" altLang="en-US" smtClean="0"/>
               <a:t>‹#›</a:t>
             </a:fld>
@@ -1461,7 +1461,7 @@
     </p:spTree>
     <p:extLst>
       <p:ext uri="{BB962C8B-B14F-4D97-AF65-F5344CB8AC3E}">
-        <p14:creationId xmlns:p14="http://schemas.microsoft.com/office/powerpoint/2010/main" val="1326530417"/>
+        <p14:creationId xmlns:p14="http://schemas.microsoft.com/office/powerpoint/2010/main" val="2062592462"/>
       </p:ext>
     </p:extLst>
   </p:cSld>
@@ -1493,7 +1493,7 @@
           <p:cNvPr id="2" name="标题 1">
             <a:extLst>
               <a:ext uri="{FF2B5EF4-FFF2-40B4-BE49-F238E27FC236}">
-                <a16:creationId xmlns:a16="http://schemas.microsoft.com/office/drawing/2014/main" id="{115D288A-EEA0-780A-D14E-806F843373B8}"/>
+                <a16:creationId xmlns:a16="http://schemas.microsoft.com/office/drawing/2014/main" id="{5FF79757-59C1-7014-B7A3-7CA50BB68827}"/>
               </a:ext>
             </a:extLst>
           </p:cNvPr>
@@ -1526,7 +1526,7 @@
           <p:cNvPr id="3" name="文本占位符 2">
             <a:extLst>
               <a:ext uri="{FF2B5EF4-FFF2-40B4-BE49-F238E27FC236}">
-                <a16:creationId xmlns:a16="http://schemas.microsoft.com/office/drawing/2014/main" id="{97F08939-41B5-29B0-ECD1-088F3F42A2DE}"/>
+                <a16:creationId xmlns:a16="http://schemas.microsoft.com/office/drawing/2014/main" id="{30B5D9DB-36BE-CA57-B139-81013D98B9B3}"/>
               </a:ext>
             </a:extLst>
           </p:cNvPr>
@@ -1597,7 +1597,7 @@
           <p:cNvPr id="4" name="内容占位符 3">
             <a:extLst>
               <a:ext uri="{FF2B5EF4-FFF2-40B4-BE49-F238E27FC236}">
-                <a16:creationId xmlns:a16="http://schemas.microsoft.com/office/drawing/2014/main" id="{16063C2E-4212-E40B-36EF-B425672DE411}"/>
+                <a16:creationId xmlns:a16="http://schemas.microsoft.com/office/drawing/2014/main" id="{B662A6BE-DAC3-CA2B-5513-D49DEB0BD59B}"/>
               </a:ext>
             </a:extLst>
           </p:cNvPr>
@@ -1659,7 +1659,7 @@
           <p:cNvPr id="5" name="文本占位符 4">
             <a:extLst>
               <a:ext uri="{FF2B5EF4-FFF2-40B4-BE49-F238E27FC236}">
-                <a16:creationId xmlns:a16="http://schemas.microsoft.com/office/drawing/2014/main" id="{1660A768-116E-AB2F-9750-0B99AD97EC8D}"/>
+                <a16:creationId xmlns:a16="http://schemas.microsoft.com/office/drawing/2014/main" id="{AADC8649-C3A7-EE07-F8BD-D997E3B29E0B}"/>
               </a:ext>
             </a:extLst>
           </p:cNvPr>
@@ -1730,7 +1730,7 @@
           <p:cNvPr id="6" name="内容占位符 5">
             <a:extLst>
               <a:ext uri="{FF2B5EF4-FFF2-40B4-BE49-F238E27FC236}">
-                <a16:creationId xmlns:a16="http://schemas.microsoft.com/office/drawing/2014/main" id="{55E65B64-974E-EB50-5D3D-F0BC2DC4BD56}"/>
+                <a16:creationId xmlns:a16="http://schemas.microsoft.com/office/drawing/2014/main" id="{8870888A-E379-1831-9DE5-983308082E53}"/>
               </a:ext>
             </a:extLst>
           </p:cNvPr>
@@ -1792,7 +1792,7 @@
           <p:cNvPr id="7" name="日期占位符 6">
             <a:extLst>
               <a:ext uri="{FF2B5EF4-FFF2-40B4-BE49-F238E27FC236}">
-                <a16:creationId xmlns:a16="http://schemas.microsoft.com/office/drawing/2014/main" id="{C579CCF4-C22A-75DB-4B29-69744906C901}"/>
+                <a16:creationId xmlns:a16="http://schemas.microsoft.com/office/drawing/2014/main" id="{0E89D550-CEE7-169B-B2FA-767522646487}"/>
               </a:ext>
             </a:extLst>
           </p:cNvPr>
@@ -1808,7 +1808,7 @@
           <a:bodyPr/>
           <a:lstStyle/>
           <a:p>
-            <a:fld id="{D87D27B4-846D-40CC-944D-F69DDEF9C493}" type="datetimeFigureOut">
+            <a:fld id="{55366E3A-592A-4101-A41D-D0301007B3EA}" type="datetimeFigureOut">
               <a:rPr lang="zh-CN" altLang="en-US" smtClean="0"/>
               <a:t>2024/3/10</a:t>
             </a:fld>
@@ -1821,7 +1821,7 @@
           <p:cNvPr id="8" name="页脚占位符 7">
             <a:extLst>
               <a:ext uri="{FF2B5EF4-FFF2-40B4-BE49-F238E27FC236}">
-                <a16:creationId xmlns:a16="http://schemas.microsoft.com/office/drawing/2014/main" id="{E2508B3B-3735-5B97-DD63-63D04C95F7D8}"/>
+                <a16:creationId xmlns:a16="http://schemas.microsoft.com/office/drawing/2014/main" id="{9E31D517-ACCD-A572-D558-BFFCAA25EA7A}"/>
               </a:ext>
             </a:extLst>
           </p:cNvPr>
@@ -1846,7 +1846,7 @@
           <p:cNvPr id="9" name="灯片编号占位符 8">
             <a:extLst>
               <a:ext uri="{FF2B5EF4-FFF2-40B4-BE49-F238E27FC236}">
-                <a16:creationId xmlns:a16="http://schemas.microsoft.com/office/drawing/2014/main" id="{35AE78F2-B113-0F52-F09C-92C1D94C4A4B}"/>
+                <a16:creationId xmlns:a16="http://schemas.microsoft.com/office/drawing/2014/main" id="{F47790EB-7C0B-CAC3-B13D-4689FE08B7FB}"/>
               </a:ext>
             </a:extLst>
           </p:cNvPr>
@@ -1862,7 +1862,7 @@
           <a:bodyPr/>
           <a:lstStyle/>
           <a:p>
-            <a:fld id="{3D324B3D-C36E-4FFE-8D45-7FF72F2971B5}" type="slidenum">
+            <a:fld id="{38F38988-783F-45CC-B481-23B3568BA345}" type="slidenum">
               <a:rPr lang="zh-CN" altLang="en-US" smtClean="0"/>
               <a:t>‹#›</a:t>
             </a:fld>
@@ -1873,7 +1873,7 @@
     </p:spTree>
     <p:extLst>
       <p:ext uri="{BB962C8B-B14F-4D97-AF65-F5344CB8AC3E}">
-        <p14:creationId xmlns:p14="http://schemas.microsoft.com/office/powerpoint/2010/main" val="957082170"/>
+        <p14:creationId xmlns:p14="http://schemas.microsoft.com/office/powerpoint/2010/main" val="2299464130"/>
       </p:ext>
     </p:extLst>
   </p:cSld>
@@ -1905,7 +1905,7 @@
           <p:cNvPr id="2" name="标题 1">
             <a:extLst>
               <a:ext uri="{FF2B5EF4-FFF2-40B4-BE49-F238E27FC236}">
-                <a16:creationId xmlns:a16="http://schemas.microsoft.com/office/drawing/2014/main" id="{AF0E0852-4CB7-64CD-8099-356757416803}"/>
+                <a16:creationId xmlns:a16="http://schemas.microsoft.com/office/drawing/2014/main" id="{88D331FA-32DC-56A1-EDDA-755AAAA0CFF4}"/>
               </a:ext>
             </a:extLst>
           </p:cNvPr>
@@ -1933,7 +1933,7 @@
           <p:cNvPr id="3" name="日期占位符 2">
             <a:extLst>
               <a:ext uri="{FF2B5EF4-FFF2-40B4-BE49-F238E27FC236}">
-                <a16:creationId xmlns:a16="http://schemas.microsoft.com/office/drawing/2014/main" id="{D93B0310-A7B4-08B5-D79C-109052BDC4A3}"/>
+                <a16:creationId xmlns:a16="http://schemas.microsoft.com/office/drawing/2014/main" id="{BC72280F-3480-DA3E-BAF0-C054A7C20704}"/>
               </a:ext>
             </a:extLst>
           </p:cNvPr>
@@ -1949,7 +1949,7 @@
           <a:bodyPr/>
           <a:lstStyle/>
           <a:p>
-            <a:fld id="{D87D27B4-846D-40CC-944D-F69DDEF9C493}" type="datetimeFigureOut">
+            <a:fld id="{55366E3A-592A-4101-A41D-D0301007B3EA}" type="datetimeFigureOut">
               <a:rPr lang="zh-CN" altLang="en-US" smtClean="0"/>
               <a:t>2024/3/10</a:t>
             </a:fld>
@@ -1962,7 +1962,7 @@
           <p:cNvPr id="4" name="页脚占位符 3">
             <a:extLst>
               <a:ext uri="{FF2B5EF4-FFF2-40B4-BE49-F238E27FC236}">
-                <a16:creationId xmlns:a16="http://schemas.microsoft.com/office/drawing/2014/main" id="{B7B3D37E-76BF-9ED9-FCBC-EB3CAEF385CC}"/>
+                <a16:creationId xmlns:a16="http://schemas.microsoft.com/office/drawing/2014/main" id="{C057368F-A53F-2E55-7555-12B901CF7919}"/>
               </a:ext>
             </a:extLst>
           </p:cNvPr>
@@ -1987,7 +1987,7 @@
           <p:cNvPr id="5" name="灯片编号占位符 4">
             <a:extLst>
               <a:ext uri="{FF2B5EF4-FFF2-40B4-BE49-F238E27FC236}">
-                <a16:creationId xmlns:a16="http://schemas.microsoft.com/office/drawing/2014/main" id="{D1770ED8-8E12-BC9E-C98D-1FE09FC51992}"/>
+                <a16:creationId xmlns:a16="http://schemas.microsoft.com/office/drawing/2014/main" id="{94B3CDA6-4BAB-769C-7A2A-951D0C9C014B}"/>
               </a:ext>
             </a:extLst>
           </p:cNvPr>
@@ -2003,7 +2003,7 @@
           <a:bodyPr/>
           <a:lstStyle/>
           <a:p>
-            <a:fld id="{3D324B3D-C36E-4FFE-8D45-7FF72F2971B5}" type="slidenum">
+            <a:fld id="{38F38988-783F-45CC-B481-23B3568BA345}" type="slidenum">
               <a:rPr lang="zh-CN" altLang="en-US" smtClean="0"/>
               <a:t>‹#›</a:t>
             </a:fld>
@@ -2014,7 +2014,7 @@
     </p:spTree>
     <p:extLst>
       <p:ext uri="{BB962C8B-B14F-4D97-AF65-F5344CB8AC3E}">
-        <p14:creationId xmlns:p14="http://schemas.microsoft.com/office/powerpoint/2010/main" val="2389214286"/>
+        <p14:creationId xmlns:p14="http://schemas.microsoft.com/office/powerpoint/2010/main" val="3272547277"/>
       </p:ext>
     </p:extLst>
   </p:cSld>
@@ -2046,7 +2046,7 @@
           <p:cNvPr id="2" name="日期占位符 1">
             <a:extLst>
               <a:ext uri="{FF2B5EF4-FFF2-40B4-BE49-F238E27FC236}">
-                <a16:creationId xmlns:a16="http://schemas.microsoft.com/office/drawing/2014/main" id="{8B308E6C-142B-48EF-8314-9E062D4B747E}"/>
+                <a16:creationId xmlns:a16="http://schemas.microsoft.com/office/drawing/2014/main" id="{6D368199-B0E5-1992-6422-45516CB05C59}"/>
               </a:ext>
             </a:extLst>
           </p:cNvPr>
@@ -2062,7 +2062,7 @@
           <a:bodyPr/>
           <a:lstStyle/>
           <a:p>
-            <a:fld id="{D87D27B4-846D-40CC-944D-F69DDEF9C493}" type="datetimeFigureOut">
+            <a:fld id="{55366E3A-592A-4101-A41D-D0301007B3EA}" type="datetimeFigureOut">
               <a:rPr lang="zh-CN" altLang="en-US" smtClean="0"/>
               <a:t>2024/3/10</a:t>
             </a:fld>
@@ -2075,7 +2075,7 @@
           <p:cNvPr id="3" name="页脚占位符 2">
             <a:extLst>
               <a:ext uri="{FF2B5EF4-FFF2-40B4-BE49-F238E27FC236}">
-                <a16:creationId xmlns:a16="http://schemas.microsoft.com/office/drawing/2014/main" id="{6A83CFC0-48C9-E044-3C12-B51D44B1186E}"/>
+                <a16:creationId xmlns:a16="http://schemas.microsoft.com/office/drawing/2014/main" id="{BBABA4CF-B67A-23B6-D6BE-675FEEE1939F}"/>
               </a:ext>
             </a:extLst>
           </p:cNvPr>
@@ -2100,7 +2100,7 @@
           <p:cNvPr id="4" name="灯片编号占位符 3">
             <a:extLst>
               <a:ext uri="{FF2B5EF4-FFF2-40B4-BE49-F238E27FC236}">
-                <a16:creationId xmlns:a16="http://schemas.microsoft.com/office/drawing/2014/main" id="{CED2891E-FA5B-4EAB-134F-5D39B1ECBF59}"/>
+                <a16:creationId xmlns:a16="http://schemas.microsoft.com/office/drawing/2014/main" id="{94913F41-C637-FC53-3EB7-520F98467761}"/>
               </a:ext>
             </a:extLst>
           </p:cNvPr>
@@ -2116,7 +2116,7 @@
           <a:bodyPr/>
           <a:lstStyle/>
           <a:p>
-            <a:fld id="{3D324B3D-C36E-4FFE-8D45-7FF72F2971B5}" type="slidenum">
+            <a:fld id="{38F38988-783F-45CC-B481-23B3568BA345}" type="slidenum">
               <a:rPr lang="zh-CN" altLang="en-US" smtClean="0"/>
               <a:t>‹#›</a:t>
             </a:fld>
@@ -2127,7 +2127,7 @@
     </p:spTree>
     <p:extLst>
       <p:ext uri="{BB962C8B-B14F-4D97-AF65-F5344CB8AC3E}">
-        <p14:creationId xmlns:p14="http://schemas.microsoft.com/office/powerpoint/2010/main" val="1997747971"/>
+        <p14:creationId xmlns:p14="http://schemas.microsoft.com/office/powerpoint/2010/main" val="3858467207"/>
       </p:ext>
     </p:extLst>
   </p:cSld>
@@ -2159,7 +2159,7 @@
           <p:cNvPr id="2" name="标题 1">
             <a:extLst>
               <a:ext uri="{FF2B5EF4-FFF2-40B4-BE49-F238E27FC236}">
-                <a16:creationId xmlns:a16="http://schemas.microsoft.com/office/drawing/2014/main" id="{9C6D957F-3F09-66D2-7E1E-DD0E4EAF03D0}"/>
+                <a16:creationId xmlns:a16="http://schemas.microsoft.com/office/drawing/2014/main" id="{BE80E4D9-3794-6998-69C0-BF38DFAB5ADF}"/>
               </a:ext>
             </a:extLst>
           </p:cNvPr>
@@ -2196,7 +2196,7 @@
           <p:cNvPr id="3" name="内容占位符 2">
             <a:extLst>
               <a:ext uri="{FF2B5EF4-FFF2-40B4-BE49-F238E27FC236}">
-                <a16:creationId xmlns:a16="http://schemas.microsoft.com/office/drawing/2014/main" id="{F389F31F-4510-5C27-3F73-59B0BB8DD155}"/>
+                <a16:creationId xmlns:a16="http://schemas.microsoft.com/office/drawing/2014/main" id="{0A8A8D7F-A143-34C4-3495-9D65016CE6DA}"/>
               </a:ext>
             </a:extLst>
           </p:cNvPr>
@@ -2286,7 +2286,7 @@
           <p:cNvPr id="4" name="文本占位符 3">
             <a:extLst>
               <a:ext uri="{FF2B5EF4-FFF2-40B4-BE49-F238E27FC236}">
-                <a16:creationId xmlns:a16="http://schemas.microsoft.com/office/drawing/2014/main" id="{8EB20218-5A56-7917-B510-D23E0AE4DA83}"/>
+                <a16:creationId xmlns:a16="http://schemas.microsoft.com/office/drawing/2014/main" id="{1D8995CD-2D16-2053-2466-EBBBF0A84500}"/>
               </a:ext>
             </a:extLst>
           </p:cNvPr>
@@ -2357,7 +2357,7 @@
           <p:cNvPr id="5" name="日期占位符 4">
             <a:extLst>
               <a:ext uri="{FF2B5EF4-FFF2-40B4-BE49-F238E27FC236}">
-                <a16:creationId xmlns:a16="http://schemas.microsoft.com/office/drawing/2014/main" id="{F9A5C90E-235E-5248-047E-B5DD8F4644A5}"/>
+                <a16:creationId xmlns:a16="http://schemas.microsoft.com/office/drawing/2014/main" id="{37F8045E-AA97-9B5C-D3C8-D8193DCA9A13}"/>
               </a:ext>
             </a:extLst>
           </p:cNvPr>
@@ -2373,7 +2373,7 @@
           <a:bodyPr/>
           <a:lstStyle/>
           <a:p>
-            <a:fld id="{D87D27B4-846D-40CC-944D-F69DDEF9C493}" type="datetimeFigureOut">
+            <a:fld id="{55366E3A-592A-4101-A41D-D0301007B3EA}" type="datetimeFigureOut">
               <a:rPr lang="zh-CN" altLang="en-US" smtClean="0"/>
               <a:t>2024/3/10</a:t>
             </a:fld>
@@ -2386,7 +2386,7 @@
           <p:cNvPr id="6" name="页脚占位符 5">
             <a:extLst>
               <a:ext uri="{FF2B5EF4-FFF2-40B4-BE49-F238E27FC236}">
-                <a16:creationId xmlns:a16="http://schemas.microsoft.com/office/drawing/2014/main" id="{A6113D24-F7FA-1C68-3CC9-732568421776}"/>
+                <a16:creationId xmlns:a16="http://schemas.microsoft.com/office/drawing/2014/main" id="{D34C3529-3466-9838-0085-218743F354AF}"/>
               </a:ext>
             </a:extLst>
           </p:cNvPr>
@@ -2411,7 +2411,7 @@
           <p:cNvPr id="7" name="灯片编号占位符 6">
             <a:extLst>
               <a:ext uri="{FF2B5EF4-FFF2-40B4-BE49-F238E27FC236}">
-                <a16:creationId xmlns:a16="http://schemas.microsoft.com/office/drawing/2014/main" id="{49A5A19A-AA00-5D5F-EC76-60FE675C7D6A}"/>
+                <a16:creationId xmlns:a16="http://schemas.microsoft.com/office/drawing/2014/main" id="{C6EC18F5-754E-2952-BC44-23138AA9EF7A}"/>
               </a:ext>
             </a:extLst>
           </p:cNvPr>
@@ -2427,7 +2427,7 @@
           <a:bodyPr/>
           <a:lstStyle/>
           <a:p>
-            <a:fld id="{3D324B3D-C36E-4FFE-8D45-7FF72F2971B5}" type="slidenum">
+            <a:fld id="{38F38988-783F-45CC-B481-23B3568BA345}" type="slidenum">
               <a:rPr lang="zh-CN" altLang="en-US" smtClean="0"/>
               <a:t>‹#›</a:t>
             </a:fld>
@@ -2438,7 +2438,7 @@
     </p:spTree>
     <p:extLst>
       <p:ext uri="{BB962C8B-B14F-4D97-AF65-F5344CB8AC3E}">
-        <p14:creationId xmlns:p14="http://schemas.microsoft.com/office/powerpoint/2010/main" val="2619158141"/>
+        <p14:creationId xmlns:p14="http://schemas.microsoft.com/office/powerpoint/2010/main" val="2417997398"/>
       </p:ext>
     </p:extLst>
   </p:cSld>
@@ -2470,7 +2470,7 @@
           <p:cNvPr id="2" name="标题 1">
             <a:extLst>
               <a:ext uri="{FF2B5EF4-FFF2-40B4-BE49-F238E27FC236}">
-                <a16:creationId xmlns:a16="http://schemas.microsoft.com/office/drawing/2014/main" id="{FA618CB4-7047-CC32-513F-E42234DFF1CF}"/>
+                <a16:creationId xmlns:a16="http://schemas.microsoft.com/office/drawing/2014/main" id="{347302EB-A364-6FF9-7297-A4819B201C8F}"/>
               </a:ext>
             </a:extLst>
           </p:cNvPr>
@@ -2507,7 +2507,7 @@
           <p:cNvPr id="3" name="图片占位符 2">
             <a:extLst>
               <a:ext uri="{FF2B5EF4-FFF2-40B4-BE49-F238E27FC236}">
-                <a16:creationId xmlns:a16="http://schemas.microsoft.com/office/drawing/2014/main" id="{60CDF7FA-2C87-8428-F8A2-94CE61936794}"/>
+                <a16:creationId xmlns:a16="http://schemas.microsoft.com/office/drawing/2014/main" id="{97820B2C-3E3F-9A20-306C-3A328AED5242}"/>
               </a:ext>
             </a:extLst>
           </p:cNvPr>
@@ -2574,7 +2574,7 @@
           <p:cNvPr id="4" name="文本占位符 3">
             <a:extLst>
               <a:ext uri="{FF2B5EF4-FFF2-40B4-BE49-F238E27FC236}">
-                <a16:creationId xmlns:a16="http://schemas.microsoft.com/office/drawing/2014/main" id="{A435CA2D-DD33-24AA-319D-BBC4F0081162}"/>
+                <a16:creationId xmlns:a16="http://schemas.microsoft.com/office/drawing/2014/main" id="{960B1328-5E32-4FA8-9DB0-C1D46B77D048}"/>
               </a:ext>
             </a:extLst>
           </p:cNvPr>
@@ -2645,7 +2645,7 @@
           <p:cNvPr id="5" name="日期占位符 4">
             <a:extLst>
               <a:ext uri="{FF2B5EF4-FFF2-40B4-BE49-F238E27FC236}">
-                <a16:creationId xmlns:a16="http://schemas.microsoft.com/office/drawing/2014/main" id="{60F89D53-5738-AFEB-5368-1C2F926E8696}"/>
+                <a16:creationId xmlns:a16="http://schemas.microsoft.com/office/drawing/2014/main" id="{F5F0B3F7-023B-6FEC-B215-E75AC661B2F3}"/>
               </a:ext>
             </a:extLst>
           </p:cNvPr>
@@ -2661,7 +2661,7 @@
           <a:bodyPr/>
           <a:lstStyle/>
           <a:p>
-            <a:fld id="{D87D27B4-846D-40CC-944D-F69DDEF9C493}" type="datetimeFigureOut">
+            <a:fld id="{55366E3A-592A-4101-A41D-D0301007B3EA}" type="datetimeFigureOut">
               <a:rPr lang="zh-CN" altLang="en-US" smtClean="0"/>
               <a:t>2024/3/10</a:t>
             </a:fld>
@@ -2674,7 +2674,7 @@
           <p:cNvPr id="6" name="页脚占位符 5">
             <a:extLst>
               <a:ext uri="{FF2B5EF4-FFF2-40B4-BE49-F238E27FC236}">
-                <a16:creationId xmlns:a16="http://schemas.microsoft.com/office/drawing/2014/main" id="{59F9B0F3-8A7E-07B9-AEBD-207E3D74F397}"/>
+                <a16:creationId xmlns:a16="http://schemas.microsoft.com/office/drawing/2014/main" id="{C9081F19-CB13-9844-4908-4EDEDB141A70}"/>
               </a:ext>
             </a:extLst>
           </p:cNvPr>
@@ -2699,7 +2699,7 @@
           <p:cNvPr id="7" name="灯片编号占位符 6">
             <a:extLst>
               <a:ext uri="{FF2B5EF4-FFF2-40B4-BE49-F238E27FC236}">
-                <a16:creationId xmlns:a16="http://schemas.microsoft.com/office/drawing/2014/main" id="{D4534863-41B8-5B42-FDE4-79776F97AC87}"/>
+                <a16:creationId xmlns:a16="http://schemas.microsoft.com/office/drawing/2014/main" id="{DBDD5480-6BC9-2496-BE82-DF8A394DD41F}"/>
               </a:ext>
             </a:extLst>
           </p:cNvPr>
@@ -2715,7 +2715,7 @@
           <a:bodyPr/>
           <a:lstStyle/>
           <a:p>
-            <a:fld id="{3D324B3D-C36E-4FFE-8D45-7FF72F2971B5}" type="slidenum">
+            <a:fld id="{38F38988-783F-45CC-B481-23B3568BA345}" type="slidenum">
               <a:rPr lang="zh-CN" altLang="en-US" smtClean="0"/>
               <a:t>‹#›</a:t>
             </a:fld>
@@ -2726,7 +2726,7 @@
     </p:spTree>
     <p:extLst>
       <p:ext uri="{BB962C8B-B14F-4D97-AF65-F5344CB8AC3E}">
-        <p14:creationId xmlns:p14="http://schemas.microsoft.com/office/powerpoint/2010/main" val="3245469173"/>
+        <p14:creationId xmlns:p14="http://schemas.microsoft.com/office/powerpoint/2010/main" val="2586754169"/>
       </p:ext>
     </p:extLst>
   </p:cSld>
@@ -2763,7 +2763,7 @@
           <p:cNvPr id="2" name="标题占位符 1">
             <a:extLst>
               <a:ext uri="{FF2B5EF4-FFF2-40B4-BE49-F238E27FC236}">
-                <a16:creationId xmlns:a16="http://schemas.microsoft.com/office/drawing/2014/main" id="{05CC7695-5196-0D0C-9E92-912123A28AF9}"/>
+                <a16:creationId xmlns:a16="http://schemas.microsoft.com/office/drawing/2014/main" id="{D657C626-A2A5-DDE3-A062-CBA9DD394ACA}"/>
               </a:ext>
             </a:extLst>
           </p:cNvPr>
@@ -2801,7 +2801,7 @@
           <p:cNvPr id="3" name="文本占位符 2">
             <a:extLst>
               <a:ext uri="{FF2B5EF4-FFF2-40B4-BE49-F238E27FC236}">
-                <a16:creationId xmlns:a16="http://schemas.microsoft.com/office/drawing/2014/main" id="{64CBD074-F71A-AA3F-2402-28FF3CEA1B8F}"/>
+                <a16:creationId xmlns:a16="http://schemas.microsoft.com/office/drawing/2014/main" id="{CDB336A5-9839-99BF-7886-AFD4A038F8A0}"/>
               </a:ext>
             </a:extLst>
           </p:cNvPr>
@@ -2868,7 +2868,7 @@
           <p:cNvPr id="4" name="日期占位符 3">
             <a:extLst>
               <a:ext uri="{FF2B5EF4-FFF2-40B4-BE49-F238E27FC236}">
-                <a16:creationId xmlns:a16="http://schemas.microsoft.com/office/drawing/2014/main" id="{26D28856-0DE5-8CDF-F4EF-C626EF8F20B9}"/>
+                <a16:creationId xmlns:a16="http://schemas.microsoft.com/office/drawing/2014/main" id="{11DB945A-3D01-2F56-007F-ED52B658D66B}"/>
               </a:ext>
             </a:extLst>
           </p:cNvPr>
@@ -2902,7 +2902,7 @@
             </a:lvl1pPr>
           </a:lstStyle>
           <a:p>
-            <a:fld id="{D87D27B4-846D-40CC-944D-F69DDEF9C493}" type="datetimeFigureOut">
+            <a:fld id="{55366E3A-592A-4101-A41D-D0301007B3EA}" type="datetimeFigureOut">
               <a:rPr lang="zh-CN" altLang="en-US" smtClean="0"/>
               <a:t>2024/3/10</a:t>
             </a:fld>
@@ -2915,7 +2915,7 @@
           <p:cNvPr id="5" name="页脚占位符 4">
             <a:extLst>
               <a:ext uri="{FF2B5EF4-FFF2-40B4-BE49-F238E27FC236}">
-                <a16:creationId xmlns:a16="http://schemas.microsoft.com/office/drawing/2014/main" id="{DE82A212-1591-0039-F1EB-08564EB145F4}"/>
+                <a16:creationId xmlns:a16="http://schemas.microsoft.com/office/drawing/2014/main" id="{6F72EAE3-852E-7B50-BBBC-0B703D211BA2}"/>
               </a:ext>
             </a:extLst>
           </p:cNvPr>
@@ -2958,7 +2958,7 @@
           <p:cNvPr id="6" name="灯片编号占位符 5">
             <a:extLst>
               <a:ext uri="{FF2B5EF4-FFF2-40B4-BE49-F238E27FC236}">
-                <a16:creationId xmlns:a16="http://schemas.microsoft.com/office/drawing/2014/main" id="{63D7463A-AF71-F3FF-A03F-00D672B7E5F5}"/>
+                <a16:creationId xmlns:a16="http://schemas.microsoft.com/office/drawing/2014/main" id="{0FCBC889-C89B-D4E7-3BE7-0320B3CFF987}"/>
               </a:ext>
             </a:extLst>
           </p:cNvPr>
@@ -2992,7 +2992,7 @@
             </a:lvl1pPr>
           </a:lstStyle>
           <a:p>
-            <a:fld id="{3D324B3D-C36E-4FFE-8D45-7FF72F2971B5}" type="slidenum">
+            <a:fld id="{38F38988-783F-45CC-B481-23B3568BA345}" type="slidenum">
               <a:rPr lang="zh-CN" altLang="en-US" smtClean="0"/>
               <a:t>‹#›</a:t>
             </a:fld>
@@ -3003,7 +3003,7 @@
     </p:spTree>
     <p:extLst>
       <p:ext uri="{BB962C8B-B14F-4D97-AF65-F5344CB8AC3E}">
-        <p14:creationId xmlns:p14="http://schemas.microsoft.com/office/powerpoint/2010/main" val="1123343731"/>
+        <p14:creationId xmlns:p14="http://schemas.microsoft.com/office/powerpoint/2010/main" val="3995567826"/>
       </p:ext>
     </p:extLst>
   </p:cSld>
